--- a/POC_Billing-Page-master/POC-Billing Page/data/UI-Proposal.pptx
+++ b/POC_Billing-Page-master/POC-Billing Page/data/UI-Proposal.pptx
@@ -780,7 +780,7 @@
           <a:p>
             <a:fld id="{7921B6AA-52B4-494A-A3CC-9F631DBC049D}" type="datetime1">
               <a:rPr lang="en-US" smtClean="0"/>
-              <a:t>3/15/2019</a:t>
+              <a:t>5/7/2019</a:t>
             </a:fld>
             <a:endParaRPr lang="en-US" dirty="0"/>
           </a:p>
@@ -1189,7 +1189,7 @@
           <a:p>
             <a:fld id="{CA4F26AE-5454-4F9D-AAE5-D3D002DD7C9F}" type="datetime1">
               <a:rPr lang="en-US" smtClean="0"/>
-              <a:t>3/15/2019</a:t>
+              <a:t>5/7/2019</a:t>
             </a:fld>
             <a:endParaRPr lang="en-US" dirty="0"/>
           </a:p>
@@ -1603,7 +1603,7 @@
           <a:p>
             <a:fld id="{98D386E0-6517-4865-845C-C9D03EFE0238}" type="datetime1">
               <a:rPr lang="en-US" smtClean="0"/>
-              <a:t>3/15/2019</a:t>
+              <a:t>5/7/2019</a:t>
             </a:fld>
             <a:endParaRPr lang="en-US" dirty="0"/>
           </a:p>
@@ -2017,7 +2017,7 @@
           <a:p>
             <a:fld id="{3BCD788F-B9E9-4F14-B100-50586E972F9F}" type="datetime1">
               <a:rPr lang="en-US" smtClean="0"/>
-              <a:t>3/15/2019</a:t>
+              <a:t>5/7/2019</a:t>
             </a:fld>
             <a:endParaRPr lang="en-US" dirty="0"/>
           </a:p>
@@ -2627,7 +2627,7 @@
           <a:p>
             <a:fld id="{101856AD-287E-4B42-827F-672E72E0C412}" type="datetime1">
               <a:rPr lang="en-US" smtClean="0"/>
-              <a:t>3/15/2019</a:t>
+              <a:t>5/7/2019</a:t>
             </a:fld>
             <a:endParaRPr lang="en-US" dirty="0"/>
           </a:p>
@@ -3042,7 +3042,7 @@
           <a:p>
             <a:fld id="{8E7D7697-AE57-43B3-A9C4-B97982A7969B}" type="datetime1">
               <a:rPr lang="en-US" smtClean="0"/>
-              <a:t>3/15/2019</a:t>
+              <a:t>5/7/2019</a:t>
             </a:fld>
             <a:endParaRPr lang="en-US" dirty="0"/>
           </a:p>
@@ -3394,7 +3394,7 @@
           <a:p>
             <a:fld id="{2932BF87-93DB-41AC-97FE-D5B0EDE196CB}" type="datetime1">
               <a:rPr lang="en-US" smtClean="0"/>
-              <a:t>3/15/2019</a:t>
+              <a:t>5/7/2019</a:t>
             </a:fld>
             <a:endParaRPr lang="en-US" dirty="0"/>
           </a:p>
@@ -3814,7 +3814,7 @@
           <a:p>
             <a:fld id="{A973AD6C-D0A4-4637-9498-78703FB83037}" type="datetime1">
               <a:rPr lang="en-US" smtClean="0"/>
-              <a:t>3/15/2019</a:t>
+              <a:t>5/7/2019</a:t>
             </a:fld>
             <a:endParaRPr lang="en-US" dirty="0"/>
           </a:p>
@@ -4269,7 +4269,7 @@
           <a:p>
             <a:fld id="{B76FEAAF-6EEB-4F52-AFCF-EAA3159D879B}" type="datetime1">
               <a:rPr lang="en-US" smtClean="0"/>
-              <a:t>3/15/2019</a:t>
+              <a:t>5/7/2019</a:t>
             </a:fld>
             <a:endParaRPr lang="en-US" dirty="0"/>
           </a:p>
@@ -4624,7 +4624,7 @@
           <a:p>
             <a:fld id="{53B3E752-6178-4BDC-A142-2B2569EDD04D}" type="datetime1">
               <a:rPr lang="en-US" smtClean="0"/>
-              <a:t>3/15/2019</a:t>
+              <a:t>5/7/2019</a:t>
             </a:fld>
             <a:endParaRPr lang="en-US" dirty="0"/>
           </a:p>
@@ -5485,7 +5485,7 @@
           <a:p>
             <a:fld id="{483964B7-435C-4AA1-A62E-A1663B697282}" type="datetime1">
               <a:rPr lang="en-US" smtClean="0"/>
-              <a:t>3/15/2019</a:t>
+              <a:t>5/7/2019</a:t>
             </a:fld>
             <a:endParaRPr lang="en-US" dirty="0"/>
           </a:p>
@@ -5948,7 +5948,7 @@
           <a:p>
             <a:fld id="{F6F2A938-361F-4F67-8BCD-4248013A871E}" type="datetime1">
               <a:rPr lang="en-US" smtClean="0"/>
-              <a:t>3/15/2019</a:t>
+              <a:t>5/7/2019</a:t>
             </a:fld>
             <a:endParaRPr lang="en-US" dirty="0"/>
           </a:p>
@@ -6333,7 +6333,7 @@
           <a:p>
             <a:fld id="{672216AA-C246-4BF8-9778-027A671AE05C}" type="datetime1">
               <a:rPr lang="en-US" smtClean="0"/>
-              <a:t>3/15/2019</a:t>
+              <a:t>5/7/2019</a:t>
             </a:fld>
             <a:endParaRPr lang="en-US" dirty="0"/>
           </a:p>
@@ -6730,7 +6730,7 @@
           <a:p>
             <a:fld id="{12951C51-9575-4E82-9944-2A080A1D1416}" type="datetime1">
               <a:rPr lang="en-US" smtClean="0"/>
-              <a:t>3/15/2019</a:t>
+              <a:t>5/7/2019</a:t>
             </a:fld>
             <a:endParaRPr lang="en-US" dirty="0"/>
           </a:p>
@@ -7044,7 +7044,7 @@
           <a:p>
             <a:fld id="{A6BE7440-A164-4BE7-A683-1DC89B30E100}" type="datetime1">
               <a:rPr lang="en-US" smtClean="0"/>
-              <a:t>3/15/2019</a:t>
+              <a:t>5/7/2019</a:t>
             </a:fld>
             <a:endParaRPr lang="en-US" dirty="0"/>
           </a:p>
@@ -7347,7 +7347,7 @@
           <a:p>
             <a:fld id="{D8644D50-66B5-4F98-BB65-0462948F36D0}" type="datetime1">
               <a:rPr lang="en-US" smtClean="0"/>
-              <a:t>3/15/2019</a:t>
+              <a:t>5/7/2019</a:t>
             </a:fld>
             <a:endParaRPr lang="en-US" dirty="0"/>
           </a:p>
@@ -7616,7 +7616,7 @@
           <a:p>
             <a:fld id="{F592C196-58BA-4F0F-83A6-F3DD888CADD0}" type="datetime1">
               <a:rPr lang="en-US" smtClean="0"/>
-              <a:t>3/15/2019</a:t>
+              <a:t>5/7/2019</a:t>
             </a:fld>
             <a:endParaRPr lang="en-US" dirty="0"/>
           </a:p>
@@ -7919,7 +7919,7 @@
           <a:p>
             <a:fld id="{04306A5D-4C19-4CEA-B7B4-5CF5FBCE4B8F}" type="datetime1">
               <a:rPr lang="en-US" smtClean="0"/>
-              <a:t>3/15/2019</a:t>
+              <a:t>5/7/2019</a:t>
             </a:fld>
             <a:endParaRPr lang="en-US" dirty="0"/>
           </a:p>
@@ -8156,7 +8156,7 @@
           <a:p>
             <a:fld id="{3DB0EFEF-BBC8-473D-9AE1-F3955CF8ED7D}" type="datetime1">
               <a:rPr lang="en-US" smtClean="0"/>
-              <a:t>3/15/2019</a:t>
+              <a:t>5/7/2019</a:t>
             </a:fld>
             <a:endParaRPr lang="en-US" dirty="0"/>
           </a:p>
@@ -8427,7 +8427,7 @@
           <a:p>
             <a:fld id="{053C89F2-7833-484F-A65C-662F6D68DDD3}" type="datetime1">
               <a:rPr lang="en-US" smtClean="0"/>
-              <a:t>3/15/2019</a:t>
+              <a:t>5/7/2019</a:t>
             </a:fld>
             <a:endParaRPr lang="en-US" dirty="0"/>
           </a:p>
@@ -9207,7 +9207,7 @@
           <a:p>
             <a:fld id="{92891E91-9488-4616-A4E9-562C551F1C22}" type="datetime1">
               <a:rPr lang="en-US" smtClean="0"/>
-              <a:t>3/15/2019</a:t>
+              <a:t>5/7/2019</a:t>
             </a:fld>
             <a:endParaRPr lang="en-US" dirty="0"/>
           </a:p>
@@ -9551,7 +9551,7 @@
           <a:p>
             <a:fld id="{A3F262AA-DEDE-48CB-AC20-EF8642D85293}" type="datetime1">
               <a:rPr lang="en-US" smtClean="0"/>
-              <a:t>3/15/2019</a:t>
+              <a:t>5/7/2019</a:t>
             </a:fld>
             <a:endParaRPr lang="en-US" dirty="0"/>
           </a:p>
@@ -10726,7 +10726,7 @@
           <a:p>
             <a:fld id="{0BC57A0B-D762-4DDE-B63B-5BD4CF6B97B0}" type="datetimeFigureOut">
               <a:rPr lang="en-US" smtClean="0"/>
-              <a:t>3/15/2019</a:t>
+              <a:t>5/7/2019</a:t>
             </a:fld>
             <a:endParaRPr lang="en-US" dirty="0"/>
           </a:p>
@@ -11091,7 +11091,7 @@
           <a:p>
             <a:fld id="{0BC57A0B-D762-4DDE-B63B-5BD4CF6B97B0}" type="datetimeFigureOut">
               <a:rPr lang="en-US" smtClean="0"/>
-              <a:t>3/15/2019</a:t>
+              <a:t>5/7/2019</a:t>
             </a:fld>
             <a:endParaRPr lang="en-US" dirty="0"/>
           </a:p>
@@ -11519,7 +11519,7 @@
           <a:p>
             <a:fld id="{0BC57A0B-D762-4DDE-B63B-5BD4CF6B97B0}" type="datetimeFigureOut">
               <a:rPr lang="en-US" smtClean="0"/>
-              <a:t>3/15/2019</a:t>
+              <a:t>5/7/2019</a:t>
             </a:fld>
             <a:endParaRPr lang="en-US" dirty="0"/>
           </a:p>
@@ -11884,7 +11884,7 @@
           <a:p>
             <a:fld id="{0BC57A0B-D762-4DDE-B63B-5BD4CF6B97B0}" type="datetimeFigureOut">
               <a:rPr lang="en-US" smtClean="0"/>
-              <a:t>3/15/2019</a:t>
+              <a:t>5/7/2019</a:t>
             </a:fld>
             <a:endParaRPr lang="en-US" dirty="0"/>
           </a:p>
@@ -12249,7 +12249,7 @@
           <a:p>
             <a:fld id="{0BC57A0B-D762-4DDE-B63B-5BD4CF6B97B0}" type="datetimeFigureOut">
               <a:rPr lang="en-US" smtClean="0"/>
-              <a:t>3/15/2019</a:t>
+              <a:t>5/7/2019</a:t>
             </a:fld>
             <a:endParaRPr lang="en-US" dirty="0"/>
           </a:p>
@@ -12665,7 +12665,7 @@
           <a:p>
             <a:fld id="{0BC57A0B-D762-4DDE-B63B-5BD4CF6B97B0}" type="datetimeFigureOut">
               <a:rPr lang="en-US" smtClean="0"/>
-              <a:t>3/15/2019</a:t>
+              <a:t>5/7/2019</a:t>
             </a:fld>
             <a:endParaRPr lang="en-US" dirty="0"/>
           </a:p>
@@ -13226,7 +13226,7 @@
           <a:p>
             <a:fld id="{669E508C-8E0B-469F-A2D9-AC62101F5C05}" type="datetime1">
               <a:rPr lang="en-US" smtClean="0"/>
-              <a:t>3/15/2019</a:t>
+              <a:t>5/7/2019</a:t>
             </a:fld>
             <a:endParaRPr lang="en-US" dirty="0"/>
           </a:p>
@@ -13656,7 +13656,7 @@
           <a:p>
             <a:fld id="{0BC57A0B-D762-4DDE-B63B-5BD4CF6B97B0}" type="datetimeFigureOut">
               <a:rPr lang="en-US" smtClean="0"/>
-              <a:t>3/15/2019</a:t>
+              <a:t>5/7/2019</a:t>
             </a:fld>
             <a:endParaRPr lang="en-US" dirty="0"/>
           </a:p>
@@ -14077,7 +14077,7 @@
           <a:p>
             <a:fld id="{0BC57A0B-D762-4DDE-B63B-5BD4CF6B97B0}" type="datetimeFigureOut">
               <a:rPr lang="en-US" smtClean="0"/>
-              <a:t>3/15/2019</a:t>
+              <a:t>5/7/2019</a:t>
             </a:fld>
             <a:endParaRPr lang="en-US" dirty="0"/>
           </a:p>
@@ -14694,7 +14694,7 @@
           <a:p>
             <a:fld id="{0BC57A0B-D762-4DDE-B63B-5BD4CF6B97B0}" type="datetimeFigureOut">
               <a:rPr lang="en-US" smtClean="0"/>
-              <a:t>3/15/2019</a:t>
+              <a:t>5/7/2019</a:t>
             </a:fld>
             <a:endParaRPr lang="en-US" dirty="0"/>
           </a:p>
@@ -15116,7 +15116,7 @@
           <a:p>
             <a:fld id="{0BC57A0B-D762-4DDE-B63B-5BD4CF6B97B0}" type="datetimeFigureOut">
               <a:rPr lang="en-US" smtClean="0"/>
-              <a:t>3/15/2019</a:t>
+              <a:t>5/7/2019</a:t>
             </a:fld>
             <a:endParaRPr lang="en-US" dirty="0"/>
           </a:p>
@@ -15475,7 +15475,7 @@
           <a:p>
             <a:fld id="{0BC57A0B-D762-4DDE-B63B-5BD4CF6B97B0}" type="datetimeFigureOut">
               <a:rPr lang="en-US" smtClean="0"/>
-              <a:t>3/15/2019</a:t>
+              <a:t>5/7/2019</a:t>
             </a:fld>
             <a:endParaRPr lang="en-US" dirty="0"/>
           </a:p>
@@ -15902,7 +15902,7 @@
           <a:p>
             <a:fld id="{0BC57A0B-D762-4DDE-B63B-5BD4CF6B97B0}" type="datetimeFigureOut">
               <a:rPr lang="en-US" smtClean="0"/>
-              <a:t>3/15/2019</a:t>
+              <a:t>5/7/2019</a:t>
             </a:fld>
             <a:endParaRPr lang="en-US" dirty="0"/>
           </a:p>
@@ -16364,7 +16364,7 @@
           <a:p>
             <a:fld id="{0BC57A0B-D762-4DDE-B63B-5BD4CF6B97B0}" type="datetimeFigureOut">
               <a:rPr lang="en-US" smtClean="0"/>
-              <a:t>3/15/2019</a:t>
+              <a:t>5/7/2019</a:t>
             </a:fld>
             <a:endParaRPr lang="en-US" dirty="0"/>
           </a:p>
@@ -16726,7 +16726,7 @@
           <a:p>
             <a:fld id="{0BC57A0B-D762-4DDE-B63B-5BD4CF6B97B0}" type="datetimeFigureOut">
               <a:rPr lang="en-US" smtClean="0"/>
-              <a:t>3/15/2019</a:t>
+              <a:t>5/7/2019</a:t>
             </a:fld>
             <a:endParaRPr lang="en-US" dirty="0"/>
           </a:p>
@@ -17136,7 +17136,7 @@
           <a:p>
             <a:fld id="{0BC57A0B-D762-4DDE-B63B-5BD4CF6B97B0}" type="datetimeFigureOut">
               <a:rPr lang="en-US" smtClean="0"/>
-              <a:t>3/15/2019</a:t>
+              <a:t>5/7/2019</a:t>
             </a:fld>
             <a:endParaRPr lang="en-US" dirty="0"/>
           </a:p>
@@ -17606,7 +17606,7 @@
           <a:p>
             <a:fld id="{0BC57A0B-D762-4DDE-B63B-5BD4CF6B97B0}" type="datetimeFigureOut">
               <a:rPr lang="en-US" smtClean="0"/>
-              <a:t>3/15/2019</a:t>
+              <a:t>5/7/2019</a:t>
             </a:fld>
             <a:endParaRPr lang="en-US" dirty="0"/>
           </a:p>
@@ -18085,7 +18085,7 @@
           <a:p>
             <a:fld id="{86A04BE0-EF35-4D6F-B801-4137CADB0D75}" type="datetime1">
               <a:rPr lang="en-US" smtClean="0"/>
-              <a:t>3/15/2019</a:t>
+              <a:t>5/7/2019</a:t>
             </a:fld>
             <a:endParaRPr lang="en-US" dirty="0"/>
           </a:p>
@@ -18328,7 +18328,7 @@
           <a:p>
             <a:fld id="{0BC57A0B-D762-4DDE-B63B-5BD4CF6B97B0}" type="datetimeFigureOut">
               <a:rPr lang="en-US" smtClean="0"/>
-              <a:t>3/15/2019</a:t>
+              <a:t>5/7/2019</a:t>
             </a:fld>
             <a:endParaRPr lang="en-US" dirty="0"/>
           </a:p>
@@ -18638,7 +18638,7 @@
           <a:p>
             <a:fld id="{0BC57A0B-D762-4DDE-B63B-5BD4CF6B97B0}" type="datetimeFigureOut">
               <a:rPr lang="en-US" smtClean="0"/>
-              <a:t>3/15/2019</a:t>
+              <a:t>5/7/2019</a:t>
             </a:fld>
             <a:endParaRPr lang="en-US" dirty="0"/>
           </a:p>
@@ -18948,7 +18948,7 @@
           <a:p>
             <a:fld id="{0BC57A0B-D762-4DDE-B63B-5BD4CF6B97B0}" type="datetimeFigureOut">
               <a:rPr lang="en-US" smtClean="0"/>
-              <a:t>3/15/2019</a:t>
+              <a:t>5/7/2019</a:t>
             </a:fld>
             <a:endParaRPr lang="en-US" dirty="0"/>
           </a:p>
@@ -19192,7 +19192,7 @@
           <a:p>
             <a:fld id="{0BC57A0B-D762-4DDE-B63B-5BD4CF6B97B0}" type="datetimeFigureOut">
               <a:rPr lang="en-US" smtClean="0"/>
-              <a:t>3/15/2019</a:t>
+              <a:t>5/7/2019</a:t>
             </a:fld>
             <a:endParaRPr lang="en-US" dirty="0"/>
           </a:p>
@@ -19470,7 +19470,7 @@
           <a:p>
             <a:fld id="{0BC57A0B-D762-4DDE-B63B-5BD4CF6B97B0}" type="datetimeFigureOut">
               <a:rPr lang="en-US" smtClean="0"/>
-              <a:t>3/15/2019</a:t>
+              <a:t>5/7/2019</a:t>
             </a:fld>
             <a:endParaRPr lang="en-US" dirty="0"/>
           </a:p>
@@ -19755,7 +19755,7 @@
           <a:p>
             <a:fld id="{0BC57A0B-D762-4DDE-B63B-5BD4CF6B97B0}" type="datetimeFigureOut">
               <a:rPr lang="en-US" smtClean="0"/>
-              <a:t>3/15/2019</a:t>
+              <a:t>5/7/2019</a:t>
             </a:fld>
             <a:endParaRPr lang="en-US" dirty="0"/>
           </a:p>
@@ -20106,7 +20106,7 @@
           <a:p>
             <a:fld id="{0BC57A0B-D762-4DDE-B63B-5BD4CF6B97B0}" type="datetimeFigureOut">
               <a:rPr lang="en-US" smtClean="0"/>
-              <a:t>3/15/2019</a:t>
+              <a:t>5/7/2019</a:t>
             </a:fld>
             <a:endParaRPr lang="en-US" dirty="0"/>
           </a:p>
@@ -20450,7 +20450,7 @@
           <a:p>
             <a:fld id="{0BC57A0B-D762-4DDE-B63B-5BD4CF6B97B0}" type="datetimeFigureOut">
               <a:rPr lang="en-US" smtClean="0"/>
-              <a:t>3/15/2019</a:t>
+              <a:t>5/7/2019</a:t>
             </a:fld>
             <a:endParaRPr lang="en-US" dirty="0"/>
           </a:p>
@@ -21137,7 +21137,7 @@
           <a:p>
             <a:fld id="{0BC57A0B-D762-4DDE-B63B-5BD4CF6B97B0}" type="datetimeFigureOut">
               <a:rPr lang="en-US" smtClean="0"/>
-              <a:t>3/15/2019</a:t>
+              <a:t>5/7/2019</a:t>
             </a:fld>
             <a:endParaRPr lang="en-US" dirty="0"/>
           </a:p>
@@ -21397,7 +21397,7 @@
           <a:p>
             <a:fld id="{D458313F-8A13-4A41-A8D7-31FB2FB074CF}" type="datetime1">
               <a:rPr lang="en-US" smtClean="0"/>
-              <a:t>3/15/2019</a:t>
+              <a:t>5/7/2019</a:t>
             </a:fld>
             <a:endParaRPr lang="en-US" dirty="0"/>
           </a:p>
@@ -25595,7 +25595,7 @@
           <a:p>
             <a:fld id="{87947146-9954-4458-9279-AA08A3B071CD}" type="datetime1">
               <a:rPr lang="en-US" smtClean="0"/>
-              <a:t>3/15/2019</a:t>
+              <a:t>5/7/2019</a:t>
             </a:fld>
             <a:endParaRPr lang="en-US" dirty="0"/>
           </a:p>
@@ -30456,7 +30456,7 @@
           <a:p>
             <a:fld id="{29509183-A3A4-4971-BEBF-1DCDFEAEA734}" type="datetime1">
               <a:rPr lang="en-US" smtClean="0"/>
-              <a:t>3/15/2019</a:t>
+              <a:t>5/7/2019</a:t>
             </a:fld>
             <a:endParaRPr lang="en-US" dirty="0"/>
           </a:p>
@@ -31226,7 +31226,7 @@
           <a:p>
             <a:fld id="{923CA7C6-6BB7-3D40-A583-A90C1CD0287C}" type="datetimeFigureOut">
               <a:rPr lang="en-US" smtClean="0"/>
-              <a:t>3/15/2019</a:t>
+              <a:t>5/7/2019</a:t>
             </a:fld>
             <a:endParaRPr lang="en-US" dirty="0"/>
           </a:p>
@@ -33488,7 +33488,7 @@
           <a:p>
             <a:fld id="{7C6C5538-3BC1-4274-BECE-326EC075782F}" type="datetime1">
               <a:rPr lang="en-US" smtClean="0"/>
-              <a:t>3/15/2019</a:t>
+              <a:t>5/7/2019</a:t>
             </a:fld>
             <a:endParaRPr lang="en-US" dirty="0"/>
           </a:p>
@@ -34875,7 +34875,7 @@
           <a:p>
             <a:fld id="{923CA7C6-6BB7-3D40-A583-A90C1CD0287C}" type="datetimeFigureOut">
               <a:rPr lang="en-US" smtClean="0"/>
-              <a:t>3/15/2019</a:t>
+              <a:t>5/7/2019</a:t>
             </a:fld>
             <a:endParaRPr lang="en-US" dirty="0"/>
           </a:p>
@@ -35173,7 +35173,7 @@
           <a:p>
             <a:fld id="{F6F2A938-361F-4F67-8BCD-4248013A871E}" type="datetime1">
               <a:rPr lang="en-US" smtClean="0"/>
-              <a:t>3/15/2019</a:t>
+              <a:t>5/7/2019</a:t>
             </a:fld>
             <a:endParaRPr lang="en-US" dirty="0"/>
           </a:p>
@@ -35524,7 +35524,7 @@
           <a:p>
             <a:fld id="{72C7141F-1075-416F-B85B-2A67B4DBA6BF}" type="datetime1">
               <a:rPr lang="en-US" smtClean="0"/>
-              <a:t>3/15/2019</a:t>
+              <a:t>5/7/2019</a:t>
             </a:fld>
             <a:endParaRPr lang="en-US" dirty="0"/>
           </a:p>
@@ -36174,7 +36174,7 @@
           <a:p>
             <a:fld id="{0BC57A0B-D762-4DDE-B63B-5BD4CF6B97B0}" type="datetimeFigureOut">
               <a:rPr lang="en-US" smtClean="0"/>
-              <a:t>3/15/2019</a:t>
+              <a:t>5/7/2019</a:t>
             </a:fld>
             <a:endParaRPr lang="en-US" dirty="0"/>
           </a:p>
@@ -36794,7 +36794,7 @@
           <a:p>
             <a:fld id="{0BC57A0B-D762-4DDE-B63B-5BD4CF6B97B0}" type="datetimeFigureOut">
               <a:rPr lang="en-US" smtClean="0"/>
-              <a:t>3/15/2019</a:t>
+              <a:t>5/7/2019</a:t>
             </a:fld>
             <a:endParaRPr lang="en-US" dirty="0"/>
           </a:p>
@@ -55215,21 +55215,6 @@
 </file>
 
 <file path=customXml/item1.xml><?xml version="1.0" encoding="utf-8"?>
-<?mso-contentType ?>
-<FormTemplates xmlns="http://schemas.microsoft.com/sharepoint/v3/contenttype/forms">
-  <Display>DocumentLibraryForm</Display>
-  <Edit>DocumentLibraryForm</Edit>
-  <New>DocumentLibraryForm</New>
-</FormTemplates>
-</file>
-
-<file path=customXml/item2.xml><?xml version="1.0" encoding="utf-8"?>
-<p:properties xmlns:p="http://schemas.microsoft.com/office/2006/metadata/properties" xmlns:xsi="http://www.w3.org/2001/XMLSchema-instance" xmlns:pc="http://schemas.microsoft.com/office/infopath/2007/PartnerControls">
-  <documentManagement/>
-</p:properties>
-</file>
-
-<file path=customXml/item3.xml><?xml version="1.0" encoding="utf-8"?>
 <ct:contentTypeSchema xmlns:ct="http://schemas.microsoft.com/office/2006/metadata/contentType" xmlns:ma="http://schemas.microsoft.com/office/2006/metadata/properties/metaAttributes" ct:_="" ma:_="" ma:contentTypeName="Document" ma:contentTypeID="0x0101003D822282108E6F40A3F693FC4852E728" ma:contentTypeVersion="2" ma:contentTypeDescription="Create a new document." ma:contentTypeScope="" ma:versionID="328038ea1af3ae752af1cc28499257b6">
   <xsd:schema xmlns:xsd="http://www.w3.org/2001/XMLSchema" xmlns:xs="http://www.w3.org/2001/XMLSchema" xmlns:p="http://schemas.microsoft.com/office/2006/metadata/properties" xmlns:ns2="f765df05-1ad1-452d-80b7-03eaf76adddf" targetNamespace="http://schemas.microsoft.com/office/2006/metadata/properties" ma:root="true" ma:fieldsID="89ec7e57618ba317e5f6321a51f2acb7" ns2:_="">
     <xsd:import namespace="f765df05-1ad1-452d-80b7-03eaf76adddf"/>
@@ -55361,10 +55346,35 @@
 </ct:contentTypeSchema>
 </file>
 
+<file path=customXml/item2.xml><?xml version="1.0" encoding="utf-8"?>
+<p:properties xmlns:p="http://schemas.microsoft.com/office/2006/metadata/properties" xmlns:xsi="http://www.w3.org/2001/XMLSchema-instance" xmlns:pc="http://schemas.microsoft.com/office/infopath/2007/PartnerControls">
+  <documentManagement/>
+</p:properties>
+</file>
+
+<file path=customXml/item3.xml><?xml version="1.0" encoding="utf-8"?>
+<?mso-contentType ?>
+<FormTemplates xmlns="http://schemas.microsoft.com/sharepoint/v3/contenttype/forms">
+  <Display>DocumentLibraryForm</Display>
+  <Edit>DocumentLibraryForm</Edit>
+  <New>DocumentLibraryForm</New>
+</FormTemplates>
+</file>
+
 <file path=customXml/itemProps1.xml><?xml version="1.0" encoding="utf-8"?>
-<ds:datastoreItem xmlns:ds="http://schemas.openxmlformats.org/officeDocument/2006/customXml" ds:itemID="{901F6A89-5266-419F-B5C8-675BF0E3BD7C}">
+<ds:datastoreItem xmlns:ds="http://schemas.openxmlformats.org/officeDocument/2006/customXml" ds:itemID="{596A38C7-891E-449A-858D-D840E1A39EC0}">
   <ds:schemaRefs>
-    <ds:schemaRef ds:uri="http://schemas.microsoft.com/sharepoint/v3/contenttype/forms"/>
+    <ds:schemaRef ds:uri="http://schemas.microsoft.com/office/2006/metadata/contentType"/>
+    <ds:schemaRef ds:uri="http://schemas.microsoft.com/office/2006/metadata/properties/metaAttributes"/>
+    <ds:schemaRef ds:uri="http://www.w3.org/2001/XMLSchema"/>
+    <ds:schemaRef ds:uri="http://schemas.microsoft.com/office/2006/metadata/properties"/>
+    <ds:schemaRef ds:uri="f765df05-1ad1-452d-80b7-03eaf76adddf"/>
+    <ds:schemaRef ds:uri="http://schemas.microsoft.com/office/2006/documentManagement/types"/>
+    <ds:schemaRef ds:uri="http://schemas.microsoft.com/office/infopath/2007/PartnerControls"/>
+    <ds:schemaRef ds:uri="http://schemas.openxmlformats.org/package/2006/metadata/core-properties"/>
+    <ds:schemaRef ds:uri="http://purl.org/dc/elements/1.1/"/>
+    <ds:schemaRef ds:uri="http://purl.org/dc/terms/"/>
+    <ds:schemaRef ds:uri="http://schemas.microsoft.com/internal/obd"/>
   </ds:schemaRefs>
 </ds:datastoreItem>
 </file>
@@ -55386,19 +55396,9 @@
 </file>
 
 <file path=customXml/itemProps3.xml><?xml version="1.0" encoding="utf-8"?>
-<ds:datastoreItem xmlns:ds="http://schemas.openxmlformats.org/officeDocument/2006/customXml" ds:itemID="{596A38C7-891E-449A-858D-D840E1A39EC0}">
+<ds:datastoreItem xmlns:ds="http://schemas.openxmlformats.org/officeDocument/2006/customXml" ds:itemID="{901F6A89-5266-419F-B5C8-675BF0E3BD7C}">
   <ds:schemaRefs>
-    <ds:schemaRef ds:uri="http://schemas.microsoft.com/office/2006/metadata/contentType"/>
-    <ds:schemaRef ds:uri="http://schemas.microsoft.com/office/2006/metadata/properties/metaAttributes"/>
-    <ds:schemaRef ds:uri="http://www.w3.org/2001/XMLSchema"/>
-    <ds:schemaRef ds:uri="http://schemas.microsoft.com/office/2006/metadata/properties"/>
-    <ds:schemaRef ds:uri="f765df05-1ad1-452d-80b7-03eaf76adddf"/>
-    <ds:schemaRef ds:uri="http://schemas.microsoft.com/office/2006/documentManagement/types"/>
-    <ds:schemaRef ds:uri="http://schemas.microsoft.com/office/infopath/2007/PartnerControls"/>
-    <ds:schemaRef ds:uri="http://schemas.openxmlformats.org/package/2006/metadata/core-properties"/>
-    <ds:schemaRef ds:uri="http://purl.org/dc/elements/1.1/"/>
-    <ds:schemaRef ds:uri="http://purl.org/dc/terms/"/>
-    <ds:schemaRef ds:uri="http://schemas.microsoft.com/internal/obd"/>
+    <ds:schemaRef ds:uri="http://schemas.microsoft.com/sharepoint/v3/contenttype/forms"/>
   </ds:schemaRefs>
 </ds:datastoreItem>
 </file>